--- a/Structure.pptx
+++ b/Structure.pptx
@@ -3862,6 +3862,110 @@
           </a:p>
         </p:txBody>
       </p:sp>
+      <p:sp>
+        <p:nvSpPr>
+          <p:cNvPr id="36" name="Rectangle 35">
+            <a:extLst>
+              <a:ext uri="{FF2B5EF4-FFF2-40B4-BE49-F238E27FC236}">
+                <a16:creationId xmlns:a16="http://schemas.microsoft.com/office/drawing/2014/main" id="{C8682B26-B52D-41CF-A038-DD7FAF531471}"/>
+              </a:ext>
+            </a:extLst>
+          </p:cNvPr>
+          <p:cNvSpPr/>
+          <p:nvPr/>
+        </p:nvSpPr>
+        <p:spPr>
+          <a:xfrm>
+            <a:off x="5038725" y="6253162"/>
+            <a:ext cx="2114550" cy="476250"/>
+          </a:xfrm>
+          <a:prstGeom prst="rect">
+            <a:avLst/>
+          </a:prstGeom>
+        </p:spPr>
+        <p:style>
+          <a:lnRef idx="1">
+            <a:schemeClr val="accent5"/>
+          </a:lnRef>
+          <a:fillRef idx="2">
+            <a:schemeClr val="accent5"/>
+          </a:fillRef>
+          <a:effectRef idx="1">
+            <a:schemeClr val="accent5"/>
+          </a:effectRef>
+          <a:fontRef idx="minor">
+            <a:schemeClr val="dk1"/>
+          </a:fontRef>
+        </p:style>
+        <p:txBody>
+          <a:bodyPr rtlCol="0" anchor="ctr"/>
+          <a:lstStyle/>
+          <a:p>
+            <a:pPr algn="ctr"/>
+            <a:r>
+              <a:rPr lang="fr-FR" dirty="0"/>
+              <a:t>Suppression du </a:t>
+            </a:r>
+            <a:r>
+              <a:rPr lang="fr-FR" dirty="0" err="1"/>
+              <a:t>posts</a:t>
+            </a:r>
+            <a:endParaRPr lang="fr-FR" dirty="0"/>
+          </a:p>
+        </p:txBody>
+      </p:sp>
+      <p:sp>
+        <p:nvSpPr>
+          <p:cNvPr id="37" name="Rectangle 36">
+            <a:extLst>
+              <a:ext uri="{FF2B5EF4-FFF2-40B4-BE49-F238E27FC236}">
+                <a16:creationId xmlns:a16="http://schemas.microsoft.com/office/drawing/2014/main" id="{9ED08733-1F89-44ED-A582-EFC24643E436}"/>
+              </a:ext>
+            </a:extLst>
+          </p:cNvPr>
+          <p:cNvSpPr/>
+          <p:nvPr/>
+        </p:nvSpPr>
+        <p:spPr>
+          <a:xfrm>
+            <a:off x="8972550" y="6253162"/>
+            <a:ext cx="2114550" cy="476250"/>
+          </a:xfrm>
+          <a:prstGeom prst="rect">
+            <a:avLst/>
+          </a:prstGeom>
+        </p:spPr>
+        <p:style>
+          <a:lnRef idx="1">
+            <a:schemeClr val="accent5"/>
+          </a:lnRef>
+          <a:fillRef idx="2">
+            <a:schemeClr val="accent5"/>
+          </a:fillRef>
+          <a:effectRef idx="1">
+            <a:schemeClr val="accent5"/>
+          </a:effectRef>
+          <a:fontRef idx="minor">
+            <a:schemeClr val="dk1"/>
+          </a:fontRef>
+        </p:style>
+        <p:txBody>
+          <a:bodyPr rtlCol="0" anchor="ctr"/>
+          <a:lstStyle/>
+          <a:p>
+            <a:pPr algn="ctr"/>
+            <a:r>
+              <a:rPr lang="fr-FR" dirty="0"/>
+              <a:t>Modification du </a:t>
+            </a:r>
+            <a:r>
+              <a:rPr lang="fr-FR" dirty="0" err="1"/>
+              <a:t>posts</a:t>
+            </a:r>
+            <a:endParaRPr lang="fr-FR" dirty="0"/>
+          </a:p>
+        </p:txBody>
+      </p:sp>
     </p:spTree>
     <p:extLst>
       <p:ext uri="{BB962C8B-B14F-4D97-AF65-F5344CB8AC3E}">
